--- a/Introduction to RAG_Langchain.pptx
+++ b/Introduction to RAG_Langchain.pptx
@@ -34,12 +34,12 @@
   <p:notesSz cx="6858000" cy="9144000"/>
   <p:embeddedFontLst>
     <p:embeddedFont>
-      <p:font typeface="Public Sans" charset="0"/>
+      <p:font typeface="Public Sans" panose="020B0604020202020204" charset="0"/>
       <p:bold r:id="rId24"/>
       <p:boldItalic r:id="rId25"/>
     </p:embeddedFont>
     <p:embeddedFont>
-      <p:font typeface="Calibri" pitchFamily="34" charset="0"/>
+      <p:font typeface="Calibri" panose="020F0502020204030204" pitchFamily="34" charset="0"/>
       <p:regular r:id="rId26"/>
       <p:bold r:id="rId27"/>
       <p:italic r:id="rId28"/>
@@ -277,7 +277,7 @@
   </p:defaultTextStyle>
   <p:extLst>
     <p:ext uri="{EFAFB233-063F-42B5-8137-9DF3F51BA10A}">
-      <p15:sldGuideLst xmlns:ahyp="http://schemas.microsoft.com/office/drawing/2018/hyperlinkcolor" xmlns:p15="http://schemas.microsoft.com/office/powerpoint/2012/main" xmlns:p14="http://schemas.microsoft.com/office/powerpoint/2010/main" xmlns:com="http://schemas.openxmlformats.org/drawingml/2006/compatibility" xmlns:pvml="urn:schemas-microsoft-com:office:powerpoint" xmlns:v="urn:schemas-microsoft-com:vml" xmlns:o="urn:schemas-microsoft-com:office:office" xmlns:dgm="http://schemas.openxmlformats.org/drawingml/2006/diagram" xmlns:c="http://schemas.openxmlformats.org/drawingml/2006/chart" xmlns:mv="urn:schemas-microsoft-com:mac:vml" xmlns:mc="http://schemas.openxmlformats.org/markup-compatibility/2006" xmlns="">
+      <p15:sldGuideLst xmlns:p15="http://schemas.microsoft.com/office/powerpoint/2012/main">
         <p15:guide id="1" orient="horz" pos="2160">
           <p15:clr>
             <a:srgbClr val="000000"/>
@@ -291,7 +291,7 @@
       </p15:sldGuideLst>
     </p:ext>
     <p:ext uri="GoogleSlidesCustomDataVersion2">
-      <go:slidesCustomData xmlns:go="http://customooxmlschemas.google.com/" xmlns:ahyp="http://schemas.microsoft.com/office/drawing/2018/hyperlinkcolor" xmlns:p15="http://schemas.microsoft.com/office/powerpoint/2012/main" xmlns:p14="http://schemas.microsoft.com/office/powerpoint/2010/main" xmlns:com="http://schemas.openxmlformats.org/drawingml/2006/compatibility" xmlns:pvml="urn:schemas-microsoft-com:office:powerpoint" xmlns:v="urn:schemas-microsoft-com:vml" xmlns:o="urn:schemas-microsoft-com:office:office" xmlns:dgm="http://schemas.openxmlformats.org/drawingml/2006/diagram" xmlns:c="http://schemas.openxmlformats.org/drawingml/2006/chart" xmlns:mv="urn:schemas-microsoft-com:mac:vml" xmlns:mc="http://schemas.openxmlformats.org/markup-compatibility/2006" xmlns="" r:id="rId39" roundtripDataSignature="AMtx7mjZDUYEjK+TRQ5GfijSPeE/re5z8A=="/>
+      <go:slidesCustomData xmlns="" xmlns:mc="http://schemas.openxmlformats.org/markup-compatibility/2006" xmlns:mv="urn:schemas-microsoft-com:mac:vml" xmlns:c="http://schemas.openxmlformats.org/drawingml/2006/chart" xmlns:dgm="http://schemas.openxmlformats.org/drawingml/2006/diagram" xmlns:o="urn:schemas-microsoft-com:office:office" xmlns:v="urn:schemas-microsoft-com:vml" xmlns:pvml="urn:schemas-microsoft-com:office:powerpoint" xmlns:com="http://schemas.openxmlformats.org/drawingml/2006/compatibility" xmlns:p14="http://schemas.microsoft.com/office/powerpoint/2010/main" xmlns:p15="http://schemas.microsoft.com/office/powerpoint/2012/main" xmlns:ahyp="http://schemas.microsoft.com/office/drawing/2018/hyperlinkcolor" xmlns:go="http://customooxmlschemas.google.com/" r:id="rId39" roundtripDataSignature="AMtx7mjZDUYEjK+TRQ5GfijSPeE/re5z8A=="/>
     </p:ext>
   </p:extLst>
 </p:presentation>
@@ -810,8 +810,8 @@
         </p:nvSpPr>
         <p:spPr>
           <a:xfrm>
-            <a:off x="1143225" y="685800"/>
-            <a:ext cx="4572225" cy="3429000"/>
+            <a:off x="381000" y="685800"/>
+            <a:ext cx="6096000" cy="3429000"/>
           </a:xfrm>
           <a:custGeom>
             <a:avLst/>
@@ -914,8 +914,8 @@
         </p:nvSpPr>
         <p:spPr>
           <a:xfrm>
-            <a:off x="1143225" y="685800"/>
-            <a:ext cx="4572225" cy="3429000"/>
+            <a:off x="381000" y="685800"/>
+            <a:ext cx="6096000" cy="3429000"/>
           </a:xfrm>
           <a:custGeom>
             <a:avLst/>
@@ -1018,8 +1018,8 @@
         </p:nvSpPr>
         <p:spPr>
           <a:xfrm>
-            <a:off x="1143225" y="685800"/>
-            <a:ext cx="4572225" cy="3429000"/>
+            <a:off x="381000" y="685800"/>
+            <a:ext cx="6096000" cy="3429000"/>
           </a:xfrm>
           <a:custGeom>
             <a:avLst/>
@@ -1122,8 +1122,8 @@
         </p:nvSpPr>
         <p:spPr>
           <a:xfrm>
-            <a:off x="1143225" y="685800"/>
-            <a:ext cx="4572225" cy="3429000"/>
+            <a:off x="381000" y="685800"/>
+            <a:ext cx="6096000" cy="3429000"/>
           </a:xfrm>
           <a:custGeom>
             <a:avLst/>
@@ -1226,8 +1226,8 @@
         </p:nvSpPr>
         <p:spPr>
           <a:xfrm>
-            <a:off x="1143225" y="685800"/>
-            <a:ext cx="4572225" cy="3429000"/>
+            <a:off x="381000" y="685800"/>
+            <a:ext cx="6096000" cy="3429000"/>
           </a:xfrm>
           <a:custGeom>
             <a:avLst/>
@@ -1330,8 +1330,8 @@
         </p:nvSpPr>
         <p:spPr>
           <a:xfrm>
-            <a:off x="1143225" y="685800"/>
-            <a:ext cx="4572225" cy="3429000"/>
+            <a:off x="381000" y="685800"/>
+            <a:ext cx="6096000" cy="3429000"/>
           </a:xfrm>
           <a:custGeom>
             <a:avLst/>
@@ -1434,8 +1434,8 @@
         </p:nvSpPr>
         <p:spPr>
           <a:xfrm>
-            <a:off x="1143225" y="685800"/>
-            <a:ext cx="4572225" cy="3429000"/>
+            <a:off x="381000" y="685800"/>
+            <a:ext cx="6096000" cy="3429000"/>
           </a:xfrm>
           <a:custGeom>
             <a:avLst/>
@@ -1538,8 +1538,8 @@
         </p:nvSpPr>
         <p:spPr>
           <a:xfrm>
-            <a:off x="1143225" y="685800"/>
-            <a:ext cx="4572225" cy="3429000"/>
+            <a:off x="381000" y="685800"/>
+            <a:ext cx="6096000" cy="3429000"/>
           </a:xfrm>
           <a:custGeom>
             <a:avLst/>
@@ -1642,8 +1642,8 @@
         </p:nvSpPr>
         <p:spPr>
           <a:xfrm>
-            <a:off x="1143225" y="685800"/>
-            <a:ext cx="4572225" cy="3429000"/>
+            <a:off x="381000" y="685800"/>
+            <a:ext cx="6096000" cy="3429000"/>
           </a:xfrm>
           <a:custGeom>
             <a:avLst/>
@@ -1746,8 +1746,8 @@
         </p:nvSpPr>
         <p:spPr>
           <a:xfrm>
-            <a:off x="1143225" y="685800"/>
-            <a:ext cx="4572225" cy="3429000"/>
+            <a:off x="381000" y="685800"/>
+            <a:ext cx="6096000" cy="3429000"/>
           </a:xfrm>
           <a:custGeom>
             <a:avLst/>
@@ -1850,8 +1850,8 @@
         </p:nvSpPr>
         <p:spPr>
           <a:xfrm>
-            <a:off x="1143225" y="685800"/>
-            <a:ext cx="4572225" cy="3429000"/>
+            <a:off x="381000" y="685800"/>
+            <a:ext cx="6096000" cy="3429000"/>
           </a:xfrm>
           <a:custGeom>
             <a:avLst/>
@@ -1954,8 +1954,8 @@
         </p:nvSpPr>
         <p:spPr>
           <a:xfrm>
-            <a:off x="1143225" y="685800"/>
-            <a:ext cx="4572225" cy="3429000"/>
+            <a:off x="381000" y="685800"/>
+            <a:ext cx="6096000" cy="3429000"/>
           </a:xfrm>
           <a:custGeom>
             <a:avLst/>
@@ -2058,8 +2058,8 @@
         </p:nvSpPr>
         <p:spPr>
           <a:xfrm>
-            <a:off x="1143225" y="685800"/>
-            <a:ext cx="4572225" cy="3429000"/>
+            <a:off x="381000" y="685800"/>
+            <a:ext cx="6096000" cy="3429000"/>
           </a:xfrm>
           <a:custGeom>
             <a:avLst/>
@@ -2162,8 +2162,8 @@
         </p:nvSpPr>
         <p:spPr>
           <a:xfrm>
-            <a:off x="1143225" y="685800"/>
-            <a:ext cx="4572225" cy="3429000"/>
+            <a:off x="381000" y="685800"/>
+            <a:ext cx="6096000" cy="3429000"/>
           </a:xfrm>
           <a:custGeom>
             <a:avLst/>
@@ -2266,8 +2266,8 @@
         </p:nvSpPr>
         <p:spPr>
           <a:xfrm>
-            <a:off x="1143225" y="685800"/>
-            <a:ext cx="4572225" cy="3429000"/>
+            <a:off x="381000" y="685800"/>
+            <a:ext cx="6096000" cy="3429000"/>
           </a:xfrm>
           <a:custGeom>
             <a:avLst/>
@@ -2370,8 +2370,8 @@
         </p:nvSpPr>
         <p:spPr>
           <a:xfrm>
-            <a:off x="1143225" y="685800"/>
-            <a:ext cx="4572225" cy="3429000"/>
+            <a:off x="381000" y="685800"/>
+            <a:ext cx="6096000" cy="3429000"/>
           </a:xfrm>
           <a:custGeom>
             <a:avLst/>
@@ -2474,8 +2474,8 @@
         </p:nvSpPr>
         <p:spPr>
           <a:xfrm>
-            <a:off x="1143225" y="685800"/>
-            <a:ext cx="4572225" cy="3429000"/>
+            <a:off x="381000" y="685800"/>
+            <a:ext cx="6096000" cy="3429000"/>
           </a:xfrm>
           <a:custGeom>
             <a:avLst/>
@@ -2578,8 +2578,8 @@
         </p:nvSpPr>
         <p:spPr>
           <a:xfrm>
-            <a:off x="1143225" y="685800"/>
-            <a:ext cx="4572225" cy="3429000"/>
+            <a:off x="381000" y="685800"/>
+            <a:ext cx="6096000" cy="3429000"/>
           </a:xfrm>
           <a:custGeom>
             <a:avLst/>
@@ -2682,8 +2682,8 @@
         </p:nvSpPr>
         <p:spPr>
           <a:xfrm>
-            <a:off x="1143225" y="685800"/>
-            <a:ext cx="4572225" cy="3429000"/>
+            <a:off x="381000" y="685800"/>
+            <a:ext cx="6096000" cy="3429000"/>
           </a:xfrm>
           <a:custGeom>
             <a:avLst/>
@@ -2770,7 +2770,7 @@
               </a:spcAft>
               <a:buNone/>
             </a:pPr>
-            <a:endParaRPr/>
+            <a:endParaRPr dirty="0"/>
           </a:p>
         </p:txBody>
       </p:sp>
@@ -2786,8 +2786,8 @@
         </p:nvSpPr>
         <p:spPr>
           <a:xfrm>
-            <a:off x="1143225" y="685800"/>
-            <a:ext cx="4572225" cy="3429000"/>
+            <a:off x="381000" y="685800"/>
+            <a:ext cx="6096000" cy="3429000"/>
           </a:xfrm>
           <a:custGeom>
             <a:avLst/>
@@ -2890,8 +2890,8 @@
         </p:nvSpPr>
         <p:spPr>
           <a:xfrm>
-            <a:off x="1143225" y="685800"/>
-            <a:ext cx="4572225" cy="3429000"/>
+            <a:off x="381000" y="685800"/>
+            <a:ext cx="6096000" cy="3429000"/>
           </a:xfrm>
           <a:custGeom>
             <a:avLst/>
@@ -16588,7 +16588,7 @@
                 <a:hlinkClick r:id="rId5">
                   <a:extLst>
                     <a:ext uri="{A12FA001-AC4F-418D-AE19-62706E023703}">
-                      <ahyp:hlinkClr xmlns:ahyp="http://schemas.microsoft.com/office/drawing/2018/hyperlinkcolor" xmlns:p15="http://schemas.microsoft.com/office/powerpoint/2012/main" xmlns:p14="http://schemas.microsoft.com/office/powerpoint/2010/main" xmlns:com="http://schemas.openxmlformats.org/drawingml/2006/compatibility" xmlns:pvml="urn:schemas-microsoft-com:office:powerpoint" xmlns:v="urn:schemas-microsoft-com:vml" xmlns:o="urn:schemas-microsoft-com:office:office" xmlns:dgm="http://schemas.openxmlformats.org/drawingml/2006/diagram" xmlns:c="http://schemas.openxmlformats.org/drawingml/2006/chart" xmlns:mv="urn:schemas-microsoft-com:mac:vml" xmlns:mc="http://schemas.openxmlformats.org/markup-compatibility/2006" xmlns="" val="tx"/>
+                      <ahyp:hlinkClr xmlns="" xmlns:mc="http://schemas.openxmlformats.org/markup-compatibility/2006" xmlns:mv="urn:schemas-microsoft-com:mac:vml" xmlns:c="http://schemas.openxmlformats.org/drawingml/2006/chart" xmlns:dgm="http://schemas.openxmlformats.org/drawingml/2006/diagram" xmlns:o="urn:schemas-microsoft-com:office:office" xmlns:v="urn:schemas-microsoft-com:vml" xmlns:pvml="urn:schemas-microsoft-com:office:powerpoint" xmlns:com="http://schemas.openxmlformats.org/drawingml/2006/compatibility" xmlns:p14="http://schemas.microsoft.com/office/powerpoint/2010/main" xmlns:p15="http://schemas.microsoft.com/office/powerpoint/2012/main" xmlns:ahyp="http://schemas.microsoft.com/office/drawing/2018/hyperlinkcolor" val="tx"/>
                     </a:ext>
                   </a:extLst>
                 </a:hlinkClick>
@@ -16926,7 +16926,7 @@
                 <a:hlinkClick r:id="rId5">
                   <a:extLst>
                     <a:ext uri="{A12FA001-AC4F-418D-AE19-62706E023703}">
-                      <ahyp:hlinkClr xmlns:ahyp="http://schemas.microsoft.com/office/drawing/2018/hyperlinkcolor" xmlns:p15="http://schemas.microsoft.com/office/powerpoint/2012/main" xmlns:p14="http://schemas.microsoft.com/office/powerpoint/2010/main" xmlns:com="http://schemas.openxmlformats.org/drawingml/2006/compatibility" xmlns:pvml="urn:schemas-microsoft-com:office:powerpoint" xmlns:v="urn:schemas-microsoft-com:vml" xmlns:o="urn:schemas-microsoft-com:office:office" xmlns:dgm="http://schemas.openxmlformats.org/drawingml/2006/diagram" xmlns:c="http://schemas.openxmlformats.org/drawingml/2006/chart" xmlns:mv="urn:schemas-microsoft-com:mac:vml" xmlns:mc="http://schemas.openxmlformats.org/markup-compatibility/2006" xmlns="" val="tx"/>
+                      <ahyp:hlinkClr xmlns="" xmlns:mc="http://schemas.openxmlformats.org/markup-compatibility/2006" xmlns:mv="urn:schemas-microsoft-com:mac:vml" xmlns:c="http://schemas.openxmlformats.org/drawingml/2006/chart" xmlns:dgm="http://schemas.openxmlformats.org/drawingml/2006/diagram" xmlns:o="urn:schemas-microsoft-com:office:office" xmlns:v="urn:schemas-microsoft-com:vml" xmlns:pvml="urn:schemas-microsoft-com:office:powerpoint" xmlns:com="http://schemas.openxmlformats.org/drawingml/2006/compatibility" xmlns:p14="http://schemas.microsoft.com/office/powerpoint/2010/main" xmlns:p15="http://schemas.microsoft.com/office/powerpoint/2012/main" xmlns:ahyp="http://schemas.microsoft.com/office/drawing/2018/hyperlinkcolor" val="tx"/>
                     </a:ext>
                   </a:extLst>
                 </a:hlinkClick>
@@ -17739,7 +17739,7 @@
                 <a:hlinkClick r:id="rId4">
                   <a:extLst>
                     <a:ext uri="{A12FA001-AC4F-418D-AE19-62706E023703}">
-                      <ahyp:hlinkClr xmlns:ahyp="http://schemas.microsoft.com/office/drawing/2018/hyperlinkcolor" xmlns:p15="http://schemas.microsoft.com/office/powerpoint/2012/main" xmlns:p14="http://schemas.microsoft.com/office/powerpoint/2010/main" xmlns:com="http://schemas.openxmlformats.org/drawingml/2006/compatibility" xmlns:pvml="urn:schemas-microsoft-com:office:powerpoint" xmlns:v="urn:schemas-microsoft-com:vml" xmlns:o="urn:schemas-microsoft-com:office:office" xmlns:dgm="http://schemas.openxmlformats.org/drawingml/2006/diagram" xmlns:c="http://schemas.openxmlformats.org/drawingml/2006/chart" xmlns:mv="urn:schemas-microsoft-com:mac:vml" xmlns:mc="http://schemas.openxmlformats.org/markup-compatibility/2006" xmlns="" val="tx"/>
+                      <ahyp:hlinkClr xmlns="" xmlns:mc="http://schemas.openxmlformats.org/markup-compatibility/2006" xmlns:mv="urn:schemas-microsoft-com:mac:vml" xmlns:c="http://schemas.openxmlformats.org/drawingml/2006/chart" xmlns:dgm="http://schemas.openxmlformats.org/drawingml/2006/diagram" xmlns:o="urn:schemas-microsoft-com:office:office" xmlns:v="urn:schemas-microsoft-com:vml" xmlns:pvml="urn:schemas-microsoft-com:office:powerpoint" xmlns:com="http://schemas.openxmlformats.org/drawingml/2006/compatibility" xmlns:p14="http://schemas.microsoft.com/office/powerpoint/2010/main" xmlns:p15="http://schemas.microsoft.com/office/powerpoint/2012/main" xmlns:ahyp="http://schemas.microsoft.com/office/drawing/2018/hyperlinkcolor" val="tx"/>
                     </a:ext>
                   </a:extLst>
                 </a:hlinkClick>
@@ -17977,7 +17977,7 @@
                 <a:hlinkClick r:id="rId5">
                   <a:extLst>
                     <a:ext uri="{A12FA001-AC4F-418D-AE19-62706E023703}">
-                      <ahyp:hlinkClr xmlns:ahyp="http://schemas.microsoft.com/office/drawing/2018/hyperlinkcolor" xmlns:p15="http://schemas.microsoft.com/office/powerpoint/2012/main" xmlns:p14="http://schemas.microsoft.com/office/powerpoint/2010/main" xmlns:com="http://schemas.openxmlformats.org/drawingml/2006/compatibility" xmlns:pvml="urn:schemas-microsoft-com:office:powerpoint" xmlns:v="urn:schemas-microsoft-com:vml" xmlns:o="urn:schemas-microsoft-com:office:office" xmlns:dgm="http://schemas.openxmlformats.org/drawingml/2006/diagram" xmlns:c="http://schemas.openxmlformats.org/drawingml/2006/chart" xmlns:mv="urn:schemas-microsoft-com:mac:vml" xmlns:mc="http://schemas.openxmlformats.org/markup-compatibility/2006" xmlns="" val="tx"/>
+                      <ahyp:hlinkClr xmlns="" xmlns:mc="http://schemas.openxmlformats.org/markup-compatibility/2006" xmlns:mv="urn:schemas-microsoft-com:mac:vml" xmlns:c="http://schemas.openxmlformats.org/drawingml/2006/chart" xmlns:dgm="http://schemas.openxmlformats.org/drawingml/2006/diagram" xmlns:o="urn:schemas-microsoft-com:office:office" xmlns:v="urn:schemas-microsoft-com:vml" xmlns:pvml="urn:schemas-microsoft-com:office:powerpoint" xmlns:com="http://schemas.openxmlformats.org/drawingml/2006/compatibility" xmlns:p14="http://schemas.microsoft.com/office/powerpoint/2010/main" xmlns:p15="http://schemas.microsoft.com/office/powerpoint/2012/main" xmlns:ahyp="http://schemas.microsoft.com/office/drawing/2018/hyperlinkcolor" val="tx"/>
                     </a:ext>
                   </a:extLst>
                 </a:hlinkClick>
@@ -18835,7 +18835,7 @@
                 <a:hlinkClick r:id="rId5">
                   <a:extLst>
                     <a:ext uri="{A12FA001-AC4F-418D-AE19-62706E023703}">
-                      <ahyp:hlinkClr xmlns:ahyp="http://schemas.microsoft.com/office/drawing/2018/hyperlinkcolor" xmlns:p15="http://schemas.microsoft.com/office/powerpoint/2012/main" xmlns:p14="http://schemas.microsoft.com/office/powerpoint/2010/main" xmlns:com="http://schemas.openxmlformats.org/drawingml/2006/compatibility" xmlns:pvml="urn:schemas-microsoft-com:office:powerpoint" xmlns:v="urn:schemas-microsoft-com:vml" xmlns:o="urn:schemas-microsoft-com:office:office" xmlns:dgm="http://schemas.openxmlformats.org/drawingml/2006/diagram" xmlns:c="http://schemas.openxmlformats.org/drawingml/2006/chart" xmlns:mv="urn:schemas-microsoft-com:mac:vml" xmlns:mc="http://schemas.openxmlformats.org/markup-compatibility/2006" xmlns="" val="tx"/>
+                      <ahyp:hlinkClr xmlns="" xmlns:mc="http://schemas.openxmlformats.org/markup-compatibility/2006" xmlns:mv="urn:schemas-microsoft-com:mac:vml" xmlns:c="http://schemas.openxmlformats.org/drawingml/2006/chart" xmlns:dgm="http://schemas.openxmlformats.org/drawingml/2006/diagram" xmlns:o="urn:schemas-microsoft-com:office:office" xmlns:v="urn:schemas-microsoft-com:vml" xmlns:pvml="urn:schemas-microsoft-com:office:powerpoint" xmlns:com="http://schemas.openxmlformats.org/drawingml/2006/compatibility" xmlns:p14="http://schemas.microsoft.com/office/powerpoint/2010/main" xmlns:p15="http://schemas.microsoft.com/office/powerpoint/2012/main" xmlns:ahyp="http://schemas.microsoft.com/office/drawing/2018/hyperlinkcolor" val="tx"/>
                     </a:ext>
                   </a:extLst>
                 </a:hlinkClick>
@@ -19276,7 +19276,7 @@
                 <a:hlinkClick r:id="rId5">
                   <a:extLst>
                     <a:ext uri="{A12FA001-AC4F-418D-AE19-62706E023703}">
-                      <ahyp:hlinkClr xmlns:ahyp="http://schemas.microsoft.com/office/drawing/2018/hyperlinkcolor" xmlns:p15="http://schemas.microsoft.com/office/powerpoint/2012/main" xmlns:p14="http://schemas.microsoft.com/office/powerpoint/2010/main" xmlns:com="http://schemas.openxmlformats.org/drawingml/2006/compatibility" xmlns:pvml="urn:schemas-microsoft-com:office:powerpoint" xmlns:v="urn:schemas-microsoft-com:vml" xmlns:o="urn:schemas-microsoft-com:office:office" xmlns:dgm="http://schemas.openxmlformats.org/drawingml/2006/diagram" xmlns:c="http://schemas.openxmlformats.org/drawingml/2006/chart" xmlns:mv="urn:schemas-microsoft-com:mac:vml" xmlns:mc="http://schemas.openxmlformats.org/markup-compatibility/2006" xmlns="" val="tx"/>
+                      <ahyp:hlinkClr xmlns="" xmlns:mc="http://schemas.openxmlformats.org/markup-compatibility/2006" xmlns:mv="urn:schemas-microsoft-com:mac:vml" xmlns:c="http://schemas.openxmlformats.org/drawingml/2006/chart" xmlns:dgm="http://schemas.openxmlformats.org/drawingml/2006/diagram" xmlns:o="urn:schemas-microsoft-com:office:office" xmlns:v="urn:schemas-microsoft-com:vml" xmlns:pvml="urn:schemas-microsoft-com:office:powerpoint" xmlns:com="http://schemas.openxmlformats.org/drawingml/2006/compatibility" xmlns:p14="http://schemas.microsoft.com/office/powerpoint/2010/main" xmlns:p15="http://schemas.microsoft.com/office/powerpoint/2012/main" xmlns:ahyp="http://schemas.microsoft.com/office/drawing/2018/hyperlinkcolor" val="tx"/>
                     </a:ext>
                   </a:extLst>
                 </a:hlinkClick>
